--- a/_Documentation/Powerpoint/Distr_Chat_Presentation.pptx
+++ b/_Documentation/Powerpoint/Distr_Chat_Presentation.pptx
@@ -321,7 +321,7 @@
           <a:p>
             <a:fld id="{DFD14587-6A1E-4F6B-A56B-3DC91E585E69}" type="datetimeFigureOut">
               <a:rPr lang="en-FI" smtClean="0"/>
-              <a:t>11/03/2023</a:t>
+              <a:t>12/03/2023</a:t>
             </a:fld>
             <a:endParaRPr lang="en-FI"/>
           </a:p>
@@ -602,7 +602,7 @@
           <a:p>
             <a:fld id="{DFD14587-6A1E-4F6B-A56B-3DC91E585E69}" type="datetimeFigureOut">
               <a:rPr lang="en-FI" smtClean="0"/>
-              <a:t>11/03/2023</a:t>
+              <a:t>12/03/2023</a:t>
             </a:fld>
             <a:endParaRPr lang="en-FI"/>
           </a:p>
@@ -794,7 +794,7 @@
           <a:p>
             <a:fld id="{DFD14587-6A1E-4F6B-A56B-3DC91E585E69}" type="datetimeFigureOut">
               <a:rPr lang="en-FI" smtClean="0"/>
-              <a:t>11/03/2023</a:t>
+              <a:t>12/03/2023</a:t>
             </a:fld>
             <a:endParaRPr lang="en-FI"/>
           </a:p>
@@ -1055,7 +1055,7 @@
           <a:p>
             <a:fld id="{DFD14587-6A1E-4F6B-A56B-3DC91E585E69}" type="datetimeFigureOut">
               <a:rPr lang="en-FI" smtClean="0"/>
-              <a:t>11/03/2023</a:t>
+              <a:t>12/03/2023</a:t>
             </a:fld>
             <a:endParaRPr lang="en-FI"/>
           </a:p>
@@ -1481,7 +1481,7 @@
           <a:p>
             <a:fld id="{DFD14587-6A1E-4F6B-A56B-3DC91E585E69}" type="datetimeFigureOut">
               <a:rPr lang="en-FI" smtClean="0"/>
-              <a:t>11/03/2023</a:t>
+              <a:t>12/03/2023</a:t>
             </a:fld>
             <a:endParaRPr lang="en-FI"/>
           </a:p>
@@ -2027,7 +2027,7 @@
           <a:p>
             <a:fld id="{DFD14587-6A1E-4F6B-A56B-3DC91E585E69}" type="datetimeFigureOut">
               <a:rPr lang="en-FI" smtClean="0"/>
-              <a:t>11/03/2023</a:t>
+              <a:t>12/03/2023</a:t>
             </a:fld>
             <a:endParaRPr lang="en-FI"/>
           </a:p>
@@ -2858,7 +2858,7 @@
           <a:p>
             <a:fld id="{DFD14587-6A1E-4F6B-A56B-3DC91E585E69}" type="datetimeFigureOut">
               <a:rPr lang="en-FI" smtClean="0"/>
-              <a:t>11/03/2023</a:t>
+              <a:t>12/03/2023</a:t>
             </a:fld>
             <a:endParaRPr lang="en-FI"/>
           </a:p>
@@ -3028,7 +3028,7 @@
           <a:p>
             <a:fld id="{DFD14587-6A1E-4F6B-A56B-3DC91E585E69}" type="datetimeFigureOut">
               <a:rPr lang="en-FI" smtClean="0"/>
-              <a:t>11/03/2023</a:t>
+              <a:t>12/03/2023</a:t>
             </a:fld>
             <a:endParaRPr lang="en-FI"/>
           </a:p>
@@ -3208,7 +3208,7 @@
           <a:p>
             <a:fld id="{DFD14587-6A1E-4F6B-A56B-3DC91E585E69}" type="datetimeFigureOut">
               <a:rPr lang="en-FI" smtClean="0"/>
-              <a:t>11/03/2023</a:t>
+              <a:t>12/03/2023</a:t>
             </a:fld>
             <a:endParaRPr lang="en-FI"/>
           </a:p>
@@ -3378,7 +3378,7 @@
           <a:p>
             <a:fld id="{DFD14587-6A1E-4F6B-A56B-3DC91E585E69}" type="datetimeFigureOut">
               <a:rPr lang="en-FI" smtClean="0"/>
-              <a:t>11/03/2023</a:t>
+              <a:t>12/03/2023</a:t>
             </a:fld>
             <a:endParaRPr lang="en-FI"/>
           </a:p>
@@ -3635,7 +3635,7 @@
           <a:p>
             <a:fld id="{DFD14587-6A1E-4F6B-A56B-3DC91E585E69}" type="datetimeFigureOut">
               <a:rPr lang="en-FI" smtClean="0"/>
-              <a:t>11/03/2023</a:t>
+              <a:t>12/03/2023</a:t>
             </a:fld>
             <a:endParaRPr lang="en-FI"/>
           </a:p>
@@ -3867,7 +3867,7 @@
           <a:p>
             <a:fld id="{DFD14587-6A1E-4F6B-A56B-3DC91E585E69}" type="datetimeFigureOut">
               <a:rPr lang="en-FI" smtClean="0"/>
-              <a:t>11/03/2023</a:t>
+              <a:t>12/03/2023</a:t>
             </a:fld>
             <a:endParaRPr lang="en-FI"/>
           </a:p>
@@ -4260,7 +4260,7 @@
           <a:p>
             <a:fld id="{DFD14587-6A1E-4F6B-A56B-3DC91E585E69}" type="datetimeFigureOut">
               <a:rPr lang="en-FI" smtClean="0"/>
-              <a:t>11/03/2023</a:t>
+              <a:t>12/03/2023</a:t>
             </a:fld>
             <a:endParaRPr lang="en-FI"/>
           </a:p>
@@ -4378,7 +4378,7 @@
           <a:p>
             <a:fld id="{DFD14587-6A1E-4F6B-A56B-3DC91E585E69}" type="datetimeFigureOut">
               <a:rPr lang="en-FI" smtClean="0"/>
-              <a:t>11/03/2023</a:t>
+              <a:t>12/03/2023</a:t>
             </a:fld>
             <a:endParaRPr lang="en-FI"/>
           </a:p>
@@ -4473,7 +4473,7 @@
           <a:p>
             <a:fld id="{DFD14587-6A1E-4F6B-A56B-3DC91E585E69}" type="datetimeFigureOut">
               <a:rPr lang="en-FI" smtClean="0"/>
-              <a:t>11/03/2023</a:t>
+              <a:t>12/03/2023</a:t>
             </a:fld>
             <a:endParaRPr lang="en-FI"/>
           </a:p>
@@ -4746,7 +4746,7 @@
           <a:p>
             <a:fld id="{DFD14587-6A1E-4F6B-A56B-3DC91E585E69}" type="datetimeFigureOut">
               <a:rPr lang="en-FI" smtClean="0"/>
-              <a:t>11/03/2023</a:t>
+              <a:t>12/03/2023</a:t>
             </a:fld>
             <a:endParaRPr lang="en-FI"/>
           </a:p>
@@ -5027,7 +5027,7 @@
           <a:p>
             <a:fld id="{DFD14587-6A1E-4F6B-A56B-3DC91E585E69}" type="datetimeFigureOut">
               <a:rPr lang="en-FI" smtClean="0"/>
-              <a:t>11/03/2023</a:t>
+              <a:t>12/03/2023</a:t>
             </a:fld>
             <a:endParaRPr lang="en-FI"/>
           </a:p>
@@ -5267,7 +5267,7 @@
           <a:p>
             <a:fld id="{DFD14587-6A1E-4F6B-A56B-3DC91E585E69}" type="datetimeFigureOut">
               <a:rPr lang="en-FI" smtClean="0"/>
-              <a:t>11/03/2023</a:t>
+              <a:t>12/03/2023</a:t>
             </a:fld>
             <a:endParaRPr lang="en-FI"/>
           </a:p>
@@ -6119,21 +6119,191 @@
           </a:p>
         </p:txBody>
       </p:sp>
+      <p:sp>
+        <p:nvSpPr>
+          <p:cNvPr id="6" name="TextBox 5">
+            <a:extLst>
+              <a:ext uri="{FF2B5EF4-FFF2-40B4-BE49-F238E27FC236}">
+                <a16:creationId xmlns:a16="http://schemas.microsoft.com/office/drawing/2014/main" id="{56B660BD-B1E1-6A67-2F73-F75B792C99A2}"/>
+              </a:ext>
+            </a:extLst>
+          </p:cNvPr>
+          <p:cNvSpPr txBox="1"/>
+          <p:nvPr/>
+        </p:nvSpPr>
+        <p:spPr>
+          <a:xfrm>
+            <a:off x="9149610" y="2073791"/>
+            <a:ext cx="2740301" cy="3336747"/>
+          </a:xfrm>
+          <a:prstGeom prst="rect">
+            <a:avLst/>
+          </a:prstGeom>
+          <a:noFill/>
+        </p:spPr>
+        <p:txBody>
+          <a:bodyPr wrap="square" rtlCol="0">
+            <a:spAutoFit/>
+          </a:bodyPr>
+          <a:lstStyle/>
+          <a:p>
+            <a:pPr marL="285750" indent="-285750">
+              <a:lnSpc>
+                <a:spcPct val="150000"/>
+              </a:lnSpc>
+              <a:buFontTx/>
+              <a:buChar char="-"/>
+            </a:pPr>
+            <a:r>
+              <a:rPr lang="en-US" dirty="0">
+                <a:solidFill>
+                  <a:schemeClr val="accent2">
+                    <a:lumMod val="75000"/>
+                  </a:schemeClr>
+                </a:solidFill>
+              </a:rPr>
+              <a:t>Frontend client</a:t>
+            </a:r>
+            <a:endParaRPr lang="en-US" sz="1400" dirty="0"/>
+          </a:p>
+          <a:p>
+            <a:pPr marL="742950" lvl="1" indent="-285750">
+              <a:lnSpc>
+                <a:spcPct val="150000"/>
+              </a:lnSpc>
+              <a:buFontTx/>
+              <a:buChar char="-"/>
+            </a:pPr>
+            <a:r>
+              <a:rPr lang="en-US" sz="1400" dirty="0"/>
+              <a:t>TypeScript, React</a:t>
+            </a:r>
+          </a:p>
+          <a:p>
+            <a:pPr marL="285750" indent="-285750">
+              <a:lnSpc>
+                <a:spcPct val="150000"/>
+              </a:lnSpc>
+              <a:buFontTx/>
+              <a:buChar char="-"/>
+            </a:pPr>
+            <a:r>
+              <a:rPr lang="en-US" dirty="0">
+                <a:solidFill>
+                  <a:schemeClr val="accent2">
+                    <a:lumMod val="75000"/>
+                  </a:schemeClr>
+                </a:solidFill>
+              </a:rPr>
+              <a:t>Load balancer</a:t>
+            </a:r>
+          </a:p>
+          <a:p>
+            <a:pPr marL="742950" lvl="1" indent="-285750">
+              <a:lnSpc>
+                <a:spcPct val="150000"/>
+              </a:lnSpc>
+              <a:buFontTx/>
+              <a:buChar char="-"/>
+            </a:pPr>
+            <a:r>
+              <a:rPr lang="en-US" sz="1400" dirty="0"/>
+              <a:t>C# .NET</a:t>
+            </a:r>
+          </a:p>
+          <a:p>
+            <a:pPr marL="285750" indent="-285750">
+              <a:lnSpc>
+                <a:spcPct val="150000"/>
+              </a:lnSpc>
+              <a:buFontTx/>
+              <a:buChar char="-"/>
+            </a:pPr>
+            <a:r>
+              <a:rPr lang="en-US" dirty="0">
+                <a:solidFill>
+                  <a:schemeClr val="accent2">
+                    <a:lumMod val="75000"/>
+                  </a:schemeClr>
+                </a:solidFill>
+              </a:rPr>
+              <a:t>Application server</a:t>
+            </a:r>
+          </a:p>
+          <a:p>
+            <a:pPr marL="742950" lvl="1" indent="-285750">
+              <a:lnSpc>
+                <a:spcPct val="150000"/>
+              </a:lnSpc>
+              <a:buFontTx/>
+              <a:buChar char="-"/>
+            </a:pPr>
+            <a:r>
+              <a:rPr lang="en-US" sz="1400" dirty="0"/>
+              <a:t>C# .NET</a:t>
+            </a:r>
+          </a:p>
+          <a:p>
+            <a:pPr marL="742950" lvl="1" indent="-285750">
+              <a:lnSpc>
+                <a:spcPct val="150000"/>
+              </a:lnSpc>
+              <a:buFontTx/>
+              <a:buChar char="-"/>
+            </a:pPr>
+            <a:r>
+              <a:rPr lang="en-US" sz="1400" dirty="0"/>
+              <a:t>WebSocket lib: SignalR</a:t>
+            </a:r>
+          </a:p>
+          <a:p>
+            <a:pPr marL="285750" indent="-285750">
+              <a:lnSpc>
+                <a:spcPct val="150000"/>
+              </a:lnSpc>
+              <a:buFontTx/>
+              <a:buChar char="-"/>
+            </a:pPr>
+            <a:r>
+              <a:rPr lang="en-US" dirty="0">
+                <a:solidFill>
+                  <a:schemeClr val="accent2">
+                    <a:lumMod val="75000"/>
+                  </a:schemeClr>
+                </a:solidFill>
+              </a:rPr>
+              <a:t>Backplane</a:t>
+            </a:r>
+          </a:p>
+          <a:p>
+            <a:pPr marL="742950" lvl="1" indent="-285750">
+              <a:lnSpc>
+                <a:spcPct val="150000"/>
+              </a:lnSpc>
+              <a:buFontTx/>
+              <a:buChar char="-"/>
+            </a:pPr>
+            <a:r>
+              <a:rPr lang="en-US" sz="1400" dirty="0"/>
+              <a:t>Redis</a:t>
+            </a:r>
+            <a:endParaRPr lang="en-FI" sz="1400" dirty="0"/>
+          </a:p>
+        </p:txBody>
+      </p:sp>
       <p:pic>
         <p:nvPicPr>
-          <p:cNvPr id="5" name="Content Placeholder 4">
+          <p:cNvPr id="4" name="Picture 3">
             <a:extLst>
               <a:ext uri="{FF2B5EF4-FFF2-40B4-BE49-F238E27FC236}">
-                <a16:creationId xmlns:a16="http://schemas.microsoft.com/office/drawing/2014/main" id="{42A0EBE0-FEBA-B259-7BA0-0592428A1F48}"/>
+                <a16:creationId xmlns:a16="http://schemas.microsoft.com/office/drawing/2014/main" id="{8F4CB9A1-8D7A-2B25-3BF9-D777DAEB755D}"/>
               </a:ext>
             </a:extLst>
           </p:cNvPr>
           <p:cNvPicPr>
-            <a:picLocks noGrp="1" noChangeAspect="1"/>
+            <a:picLocks noChangeAspect="1"/>
           </p:cNvPicPr>
-          <p:nvPr>
-            <p:ph idx="1"/>
-          </p:nvPr>
+          <p:nvPr/>
         </p:nvPicPr>
         <p:blipFill>
           <a:blip r:embed="rId2">
@@ -6149,110 +6319,14 @@
         </p:blipFill>
         <p:spPr>
           <a:xfrm>
-            <a:off x="884458" y="1498657"/>
-            <a:ext cx="8414363" cy="4746971"/>
-          </a:xfrm>
-        </p:spPr>
-      </p:pic>
-      <p:sp>
-        <p:nvSpPr>
-          <p:cNvPr id="6" name="TextBox 5">
-            <a:extLst>
-              <a:ext uri="{FF2B5EF4-FFF2-40B4-BE49-F238E27FC236}">
-                <a16:creationId xmlns:a16="http://schemas.microsoft.com/office/drawing/2014/main" id="{56B660BD-B1E1-6A67-2F73-F75B792C99A2}"/>
-              </a:ext>
-            </a:extLst>
-          </p:cNvPr>
-          <p:cNvSpPr txBox="1"/>
-          <p:nvPr/>
-        </p:nvSpPr>
-        <p:spPr>
-          <a:xfrm>
-            <a:off x="9493134" y="1498657"/>
-            <a:ext cx="2193229" cy="2126864"/>
+            <a:off x="838201" y="1498657"/>
+            <a:ext cx="8263932" cy="4487017"/>
           </a:xfrm>
           <a:prstGeom prst="rect">
             <a:avLst/>
           </a:prstGeom>
-          <a:noFill/>
         </p:spPr>
-        <p:txBody>
-          <a:bodyPr wrap="none" rtlCol="0">
-            <a:spAutoFit/>
-          </a:bodyPr>
-          <a:lstStyle/>
-          <a:p>
-            <a:pPr>
-              <a:lnSpc>
-                <a:spcPct val="150000"/>
-              </a:lnSpc>
-            </a:pPr>
-            <a:r>
-              <a:rPr lang="en-US" dirty="0">
-                <a:solidFill>
-                  <a:schemeClr val="accent2">
-                    <a:lumMod val="75000"/>
-                  </a:schemeClr>
-                </a:solidFill>
-              </a:rPr>
-              <a:t>Types of nodes</a:t>
-            </a:r>
-          </a:p>
-          <a:p>
-            <a:pPr marL="285750" indent="-285750">
-              <a:lnSpc>
-                <a:spcPct val="150000"/>
-              </a:lnSpc>
-              <a:buFontTx/>
-              <a:buChar char="-"/>
-            </a:pPr>
-            <a:r>
-              <a:rPr lang="en-US" dirty="0"/>
-              <a:t>Frontend client</a:t>
-            </a:r>
-          </a:p>
-          <a:p>
-            <a:pPr marL="285750" indent="-285750">
-              <a:lnSpc>
-                <a:spcPct val="150000"/>
-              </a:lnSpc>
-              <a:buFontTx/>
-              <a:buChar char="-"/>
-            </a:pPr>
-            <a:r>
-              <a:rPr lang="en-US" dirty="0"/>
-              <a:t>Load balancer</a:t>
-            </a:r>
-          </a:p>
-          <a:p>
-            <a:pPr marL="285750" indent="-285750">
-              <a:lnSpc>
-                <a:spcPct val="150000"/>
-              </a:lnSpc>
-              <a:buFontTx/>
-              <a:buChar char="-"/>
-            </a:pPr>
-            <a:r>
-              <a:rPr lang="en-US" dirty="0"/>
-              <a:t>Application server</a:t>
-            </a:r>
-          </a:p>
-          <a:p>
-            <a:pPr marL="285750" indent="-285750">
-              <a:lnSpc>
-                <a:spcPct val="150000"/>
-              </a:lnSpc>
-              <a:buFontTx/>
-              <a:buChar char="-"/>
-            </a:pPr>
-            <a:r>
-              <a:rPr lang="en-US" dirty="0"/>
-              <a:t>Backplane</a:t>
-            </a:r>
-            <a:endParaRPr lang="en-FI" dirty="0"/>
-          </a:p>
-        </p:txBody>
-      </p:sp>
+      </p:pic>
     </p:spTree>
     <p:extLst>
       <p:ext uri="{BB962C8B-B14F-4D97-AF65-F5344CB8AC3E}">

--- a/_Documentation/Powerpoint/Distr_Chat_Presentation.pptx
+++ b/_Documentation/Powerpoint/Distr_Chat_Presentation.pptx
@@ -8,6 +8,7 @@
     <p:sldId id="256" r:id="rId2"/>
     <p:sldId id="257" r:id="rId3"/>
     <p:sldId id="258" r:id="rId4"/>
+    <p:sldId id="259" r:id="rId5"/>
   </p:sldIdLst>
   <p:sldSz cx="12192000" cy="6858000"/>
   <p:notesSz cx="6858000" cy="9144000"/>
@@ -5977,7 +5978,7 @@
         <p:spPr/>
         <p:txBody>
           <a:bodyPr>
-            <a:normAutofit/>
+            <a:normAutofit fontScale="92500" lnSpcReduction="10000"/>
           </a:bodyPr>
           <a:lstStyle/>
           <a:p>
@@ -6023,9 +6024,36 @@
             </a:r>
           </a:p>
           <a:p>
+            <a:pPr lvl="1"/>
+            <a:endParaRPr lang="en-US" dirty="0"/>
+          </a:p>
+          <a:p>
+            <a:r>
+              <a:rPr lang="en-US" b="1" dirty="0"/>
+              <a:t>High availability</a:t>
+            </a:r>
             <a:r>
               <a:rPr lang="en-US" dirty="0"/>
-              <a:t>The number of WebSocket connections to a single application server is a common bottleneck</a:t>
+              <a:t>: System should have no single-point-of-failure</a:t>
+            </a:r>
+          </a:p>
+          <a:p>
+            <a:endParaRPr lang="en-US" dirty="0">
+              <a:solidFill>
+                <a:schemeClr val="accent2">
+                  <a:lumMod val="75000"/>
+                </a:schemeClr>
+              </a:solidFill>
+            </a:endParaRPr>
+          </a:p>
+          <a:p>
+            <a:r>
+              <a:rPr lang="en-US" sz="2600" b="1" dirty="0"/>
+              <a:t>Common bottleneck</a:t>
+            </a:r>
+            <a:r>
+              <a:rPr lang="en-US" sz="2400" dirty="0"/>
+              <a:t>: The number of WebSocket connections to a single application server is a common bottleneck</a:t>
             </a:r>
           </a:p>
           <a:p>
@@ -6036,9 +6064,21 @@
             </a:r>
           </a:p>
           <a:p>
+            <a:pPr lvl="1"/>
+            <a:endParaRPr lang="en-US" dirty="0"/>
+          </a:p>
+          <a:p>
+            <a:r>
+              <a:rPr lang="en-US" sz="2600" b="1" dirty="0"/>
+              <a:t>Problem</a:t>
+            </a:r>
             <a:r>
               <a:rPr lang="en-US" dirty="0"/>
-              <a:t>Problem: An application server can only send messages through its own WebSocket clients</a:t>
+              <a:t>: </a:t>
+            </a:r>
+            <a:r>
+              <a:rPr lang="en-US" sz="2400" dirty="0"/>
+              <a:t>App server can only send messages through its own WebSocket clients</a:t>
             </a:r>
           </a:p>
           <a:p>
@@ -6046,12 +6086,6 @@
             <a:r>
               <a:rPr lang="en-US" dirty="0"/>
               <a:t>Thus, there must be a way of communication between the app servers</a:t>
-            </a:r>
-          </a:p>
-          <a:p>
-            <a:r>
-              <a:rPr lang="en-US" dirty="0"/>
-              <a:t>High availability: An important system should have no single-point-of-failure</a:t>
             </a:r>
           </a:p>
           <a:p>
@@ -6285,7 +6319,7 @@
             </a:pPr>
             <a:r>
               <a:rPr lang="en-US" sz="1400" dirty="0"/>
-              <a:t>Redis</a:t>
+              <a:t>Redis (Cluster, Pub/Sub)</a:t>
             </a:r>
             <a:endParaRPr lang="en-FI" sz="1400" dirty="0"/>
           </a:p>
@@ -6331,6 +6365,123 @@
     <p:extLst>
       <p:ext uri="{BB962C8B-B14F-4D97-AF65-F5344CB8AC3E}">
         <p14:creationId xmlns:p14="http://schemas.microsoft.com/office/powerpoint/2010/main" val="3191188140"/>
+      </p:ext>
+    </p:extLst>
+  </p:cSld>
+  <p:clrMapOvr>
+    <a:masterClrMapping/>
+  </p:clrMapOvr>
+</p:sld>
+</file>
+
+<file path=ppt/slides/slide4.xml><?xml version="1.0" encoding="utf-8"?>
+<p:sld xmlns:a="http://schemas.openxmlformats.org/drawingml/2006/main" xmlns:r="http://schemas.openxmlformats.org/officeDocument/2006/relationships" xmlns:p="http://schemas.openxmlformats.org/presentationml/2006/main">
+  <p:cSld>
+    <p:spTree>
+      <p:nvGrpSpPr>
+        <p:cNvPr id="1" name=""/>
+        <p:cNvGrpSpPr/>
+        <p:nvPr/>
+      </p:nvGrpSpPr>
+      <p:grpSpPr>
+        <a:xfrm>
+          <a:off x="0" y="0"/>
+          <a:ext cx="0" cy="0"/>
+          <a:chOff x="0" y="0"/>
+          <a:chExt cx="0" cy="0"/>
+        </a:xfrm>
+      </p:grpSpPr>
+      <p:sp>
+        <p:nvSpPr>
+          <p:cNvPr id="2" name="Title 1">
+            <a:extLst>
+              <a:ext uri="{FF2B5EF4-FFF2-40B4-BE49-F238E27FC236}">
+                <a16:creationId xmlns:a16="http://schemas.microsoft.com/office/drawing/2014/main" id="{6596462C-6814-B474-5DE7-F075CC855601}"/>
+              </a:ext>
+            </a:extLst>
+          </p:cNvPr>
+          <p:cNvSpPr>
+            <a:spLocks noGrp="1"/>
+          </p:cNvSpPr>
+          <p:nvPr>
+            <p:ph type="title"/>
+          </p:nvPr>
+        </p:nvSpPr>
+        <p:spPr/>
+        <p:txBody>
+          <a:bodyPr/>
+          <a:lstStyle/>
+          <a:p>
+            <a:r>
+              <a:rPr lang="en-US" dirty="0"/>
+              <a:t>Repository</a:t>
+            </a:r>
+            <a:endParaRPr lang="en-FI" dirty="0"/>
+          </a:p>
+        </p:txBody>
+      </p:sp>
+      <p:sp>
+        <p:nvSpPr>
+          <p:cNvPr id="3" name="Content Placeholder 2">
+            <a:extLst>
+              <a:ext uri="{FF2B5EF4-FFF2-40B4-BE49-F238E27FC236}">
+                <a16:creationId xmlns:a16="http://schemas.microsoft.com/office/drawing/2014/main" id="{4BC88C9E-6EE0-7A63-D70E-FCCC89A97CA6}"/>
+              </a:ext>
+            </a:extLst>
+          </p:cNvPr>
+          <p:cNvSpPr>
+            <a:spLocks noGrp="1"/>
+          </p:cNvSpPr>
+          <p:nvPr>
+            <p:ph idx="1"/>
+          </p:nvPr>
+        </p:nvSpPr>
+        <p:spPr>
+          <a:xfrm>
+            <a:off x="838200" y="3236421"/>
+            <a:ext cx="10233800" cy="2940541"/>
+          </a:xfrm>
+        </p:spPr>
+        <p:txBody>
+          <a:bodyPr>
+            <a:normAutofit/>
+          </a:bodyPr>
+          <a:lstStyle/>
+          <a:p>
+            <a:pPr marL="457200" lvl="1" indent="0">
+              <a:buNone/>
+            </a:pPr>
+            <a:r>
+              <a:rPr lang="en-US" sz="2800" dirty="0">
+                <a:solidFill>
+                  <a:schemeClr val="accent2">
+                    <a:lumMod val="75000"/>
+                  </a:schemeClr>
+                </a:solidFill>
+                <a:hlinkClick r:id="rId2">
+                  <a:extLst>
+                    <a:ext uri="{A12FA001-AC4F-418D-AE19-62706E023703}">
+                      <ahyp:hlinkClr xmlns:ahyp="http://schemas.microsoft.com/office/drawing/2018/hyperlinkcolor" val="tx"/>
+                    </a:ext>
+                  </a:extLst>
+                </a:hlinkClick>
+              </a:rPr>
+              <a:t>https://github.com/VilleKylmamaa/Distributed-Systems-Project</a:t>
+            </a:r>
+            <a:endParaRPr lang="en-FI" sz="2800" dirty="0">
+              <a:solidFill>
+                <a:schemeClr val="accent2">
+                  <a:lumMod val="75000"/>
+                </a:schemeClr>
+              </a:solidFill>
+            </a:endParaRPr>
+          </a:p>
+        </p:txBody>
+      </p:sp>
+    </p:spTree>
+    <p:extLst>
+      <p:ext uri="{BB962C8B-B14F-4D97-AF65-F5344CB8AC3E}">
+        <p14:creationId xmlns:p14="http://schemas.microsoft.com/office/powerpoint/2010/main" val="416733128"/>
       </p:ext>
     </p:extLst>
   </p:cSld>
